--- a/Slides_10.pptx
+++ b/Slides_10.pptx
@@ -7010,10 +7010,10 @@
             </a:pPr>
             <a:r>
               <a:rPr lang="fr-FR" dirty="0"/>
-              <a:t>** </a:t>
-            </a:r>
-            <a:r>
-              <a:rPr lang="fr-FR" dirty="0" err="1"/>
+              <a:t>**</a:t>
+            </a:r>
+            <a:r>
+              <a:rPr lang="fr-FR"/>
               <a:t>supposedly</a:t>
             </a:r>
             <a:r>

--- a/Slides_10.pptx
+++ b/Slides_10.pptx
@@ -5,7 +5,7 @@
     <p:sldMasterId id="2147483648" r:id="rId1"/>
   </p:sldMasterIdLst>
   <p:notesMasterIdLst>
-    <p:notesMasterId r:id="rId13"/>
+    <p:notesMasterId r:id="rId14"/>
   </p:notesMasterIdLst>
   <p:sldIdLst>
     <p:sldId id="257" r:id="rId2"/>
@@ -17,8 +17,9 @@
     <p:sldId id="263" r:id="rId8"/>
     <p:sldId id="264" r:id="rId9"/>
     <p:sldId id="265" r:id="rId10"/>
-    <p:sldId id="266" r:id="rId11"/>
-    <p:sldId id="267" r:id="rId12"/>
+    <p:sldId id="268" r:id="rId11"/>
+    <p:sldId id="266" r:id="rId12"/>
+    <p:sldId id="267" r:id="rId13"/>
   </p:sldIdLst>
   <p:sldSz cx="12192000" cy="6858000"/>
   <p:notesSz cx="6858000" cy="9144000"/>
@@ -935,7 +936,7 @@
           <a:p>
             <a:fld id="{DC8CA52D-EB03-4681-98AA-88F42CCECF9C}" type="datetimeFigureOut">
               <a:rPr lang="fr-FR" smtClean="0"/>
-              <a:t>27/03/2023</a:t>
+              <a:t>28/03/2023</a:t>
             </a:fld>
             <a:endParaRPr lang="fr-FR"/>
           </a:p>
@@ -1856,7 +1857,7 @@
           <a:p>
             <a:fld id="{85E5C13E-9741-44E5-84BA-497BDF0D3184}" type="slidenum">
               <a:rPr lang="fr-FR" smtClean="0"/>
-              <a:t>11</a:t>
+              <a:t>12</a:t>
             </a:fld>
             <a:endParaRPr lang="fr-FR"/>
           </a:p>
@@ -2024,7 +2025,7 @@
           <a:p>
             <a:fld id="{905C88F5-FE2C-4AD6-A08A-60E6A1886E9D}" type="datetimeFigureOut">
               <a:rPr lang="fr-FR" smtClean="0"/>
-              <a:t>27/03/2023</a:t>
+              <a:t>28/03/2023</a:t>
             </a:fld>
             <a:endParaRPr lang="fr-FR"/>
           </a:p>
@@ -2224,7 +2225,7 @@
           <a:p>
             <a:fld id="{905C88F5-FE2C-4AD6-A08A-60E6A1886E9D}" type="datetimeFigureOut">
               <a:rPr lang="fr-FR" smtClean="0"/>
-              <a:t>27/03/2023</a:t>
+              <a:t>28/03/2023</a:t>
             </a:fld>
             <a:endParaRPr lang="fr-FR"/>
           </a:p>
@@ -2434,7 +2435,7 @@
           <a:p>
             <a:fld id="{905C88F5-FE2C-4AD6-A08A-60E6A1886E9D}" type="datetimeFigureOut">
               <a:rPr lang="fr-FR" smtClean="0"/>
-              <a:t>27/03/2023</a:t>
+              <a:t>28/03/2023</a:t>
             </a:fld>
             <a:endParaRPr lang="fr-FR"/>
           </a:p>
@@ -2634,7 +2635,7 @@
           <a:p>
             <a:fld id="{905C88F5-FE2C-4AD6-A08A-60E6A1886E9D}" type="datetimeFigureOut">
               <a:rPr lang="fr-FR" smtClean="0"/>
-              <a:t>27/03/2023</a:t>
+              <a:t>28/03/2023</a:t>
             </a:fld>
             <a:endParaRPr lang="fr-FR"/>
           </a:p>
@@ -2910,7 +2911,7 @@
           <a:p>
             <a:fld id="{905C88F5-FE2C-4AD6-A08A-60E6A1886E9D}" type="datetimeFigureOut">
               <a:rPr lang="fr-FR" smtClean="0"/>
-              <a:t>27/03/2023</a:t>
+              <a:t>28/03/2023</a:t>
             </a:fld>
             <a:endParaRPr lang="fr-FR"/>
           </a:p>
@@ -3178,7 +3179,7 @@
           <a:p>
             <a:fld id="{905C88F5-FE2C-4AD6-A08A-60E6A1886E9D}" type="datetimeFigureOut">
               <a:rPr lang="fr-FR" smtClean="0"/>
-              <a:t>27/03/2023</a:t>
+              <a:t>28/03/2023</a:t>
             </a:fld>
             <a:endParaRPr lang="fr-FR"/>
           </a:p>
@@ -3593,7 +3594,7 @@
           <a:p>
             <a:fld id="{905C88F5-FE2C-4AD6-A08A-60E6A1886E9D}" type="datetimeFigureOut">
               <a:rPr lang="fr-FR" smtClean="0"/>
-              <a:t>27/03/2023</a:t>
+              <a:t>28/03/2023</a:t>
             </a:fld>
             <a:endParaRPr lang="fr-FR"/>
           </a:p>
@@ -3735,7 +3736,7 @@
           <a:p>
             <a:fld id="{905C88F5-FE2C-4AD6-A08A-60E6A1886E9D}" type="datetimeFigureOut">
               <a:rPr lang="fr-FR" smtClean="0"/>
-              <a:t>27/03/2023</a:t>
+              <a:t>28/03/2023</a:t>
             </a:fld>
             <a:endParaRPr lang="fr-FR"/>
           </a:p>
@@ -3848,7 +3849,7 @@
           <a:p>
             <a:fld id="{905C88F5-FE2C-4AD6-A08A-60E6A1886E9D}" type="datetimeFigureOut">
               <a:rPr lang="fr-FR" smtClean="0"/>
-              <a:t>27/03/2023</a:t>
+              <a:t>28/03/2023</a:t>
             </a:fld>
             <a:endParaRPr lang="fr-FR"/>
           </a:p>
@@ -4161,7 +4162,7 @@
           <a:p>
             <a:fld id="{905C88F5-FE2C-4AD6-A08A-60E6A1886E9D}" type="datetimeFigureOut">
               <a:rPr lang="fr-FR" smtClean="0"/>
-              <a:t>27/03/2023</a:t>
+              <a:t>28/03/2023</a:t>
             </a:fld>
             <a:endParaRPr lang="fr-FR"/>
           </a:p>
@@ -4450,7 +4451,7 @@
           <a:p>
             <a:fld id="{905C88F5-FE2C-4AD6-A08A-60E6A1886E9D}" type="datetimeFigureOut">
               <a:rPr lang="fr-FR" smtClean="0"/>
-              <a:t>27/03/2023</a:t>
+              <a:t>28/03/2023</a:t>
             </a:fld>
             <a:endParaRPr lang="fr-FR"/>
           </a:p>
@@ -4693,7 +4694,7 @@
           <a:p>
             <a:fld id="{905C88F5-FE2C-4AD6-A08A-60E6A1886E9D}" type="datetimeFigureOut">
               <a:rPr lang="fr-FR" smtClean="0"/>
-              <a:t>27/03/2023</a:t>
+              <a:t>28/03/2023</a:t>
             </a:fld>
             <a:endParaRPr lang="fr-FR"/>
           </a:p>
@@ -5200,6 +5201,111 @@
 </file>
 
 <file path=ppt/slides/slide10.xml><?xml version="1.0" encoding="utf-8"?>
+<p:sld xmlns:a="http://schemas.openxmlformats.org/drawingml/2006/main" xmlns:r="http://schemas.openxmlformats.org/officeDocument/2006/relationships" xmlns:p="http://schemas.openxmlformats.org/presentationml/2006/main">
+  <p:cSld>
+    <p:spTree>
+      <p:nvGrpSpPr>
+        <p:cNvPr id="1" name=""/>
+        <p:cNvGrpSpPr/>
+        <p:nvPr/>
+      </p:nvGrpSpPr>
+      <p:grpSpPr>
+        <a:xfrm>
+          <a:off x="0" y="0"/>
+          <a:ext cx="0" cy="0"/>
+          <a:chOff x="0" y="0"/>
+          <a:chExt cx="0" cy="0"/>
+        </a:xfrm>
+      </p:grpSpPr>
+      <p:sp>
+        <p:nvSpPr>
+          <p:cNvPr id="2" name="Title 1">
+            <a:extLst>
+              <a:ext uri="{FF2B5EF4-FFF2-40B4-BE49-F238E27FC236}">
+                <a16:creationId xmlns:a16="http://schemas.microsoft.com/office/drawing/2014/main" id="{045149C4-5C72-4204-BA3E-A764A47C51D6}"/>
+              </a:ext>
+            </a:extLst>
+          </p:cNvPr>
+          <p:cNvSpPr>
+            <a:spLocks noGrp="1"/>
+          </p:cNvSpPr>
+          <p:nvPr>
+            <p:ph type="title"/>
+          </p:nvPr>
+        </p:nvSpPr>
+        <p:spPr/>
+        <p:txBody>
+          <a:bodyPr/>
+          <a:lstStyle/>
+          <a:p>
+            <a:r>
+              <a:rPr lang="fr-FR" dirty="0"/>
+              <a:t>Neural network structure</a:t>
+            </a:r>
+          </a:p>
+        </p:txBody>
+      </p:sp>
+      <p:pic>
+        <p:nvPicPr>
+          <p:cNvPr id="1026" name="Picture 2">
+            <a:extLst>
+              <a:ext uri="{FF2B5EF4-FFF2-40B4-BE49-F238E27FC236}">
+                <a16:creationId xmlns:a16="http://schemas.microsoft.com/office/drawing/2014/main" id="{AB1E1A51-10AC-C530-1154-ADCCD1040E82}"/>
+              </a:ext>
+            </a:extLst>
+          </p:cNvPr>
+          <p:cNvPicPr>
+            <a:picLocks noChangeAspect="1" noChangeArrowheads="1"/>
+          </p:cNvPicPr>
+          <p:nvPr/>
+        </p:nvPicPr>
+        <p:blipFill>
+          <a:blip r:embed="rId2">
+            <a:extLst>
+              <a:ext uri="{28A0092B-C50C-407E-A947-70E740481C1C}">
+                <a14:useLocalDpi xmlns:a14="http://schemas.microsoft.com/office/drawing/2010/main" val="0"/>
+              </a:ext>
+            </a:extLst>
+          </a:blip>
+          <a:srcRect/>
+          <a:stretch>
+            <a:fillRect/>
+          </a:stretch>
+        </p:blipFill>
+        <p:spPr bwMode="auto">
+          <a:xfrm>
+            <a:off x="1571625" y="2209800"/>
+            <a:ext cx="9048750" cy="2438400"/>
+          </a:xfrm>
+          <a:prstGeom prst="rect">
+            <a:avLst/>
+          </a:prstGeom>
+          <a:noFill/>
+          <a:extLst>
+            <a:ext uri="{909E8E84-426E-40DD-AFC4-6F175D3DCCD1}">
+              <a14:hiddenFill xmlns:a14="http://schemas.microsoft.com/office/drawing/2010/main">
+                <a:solidFill>
+                  <a:srgbClr val="FFFFFF"/>
+                </a:solidFill>
+              </a14:hiddenFill>
+            </a:ext>
+          </a:extLst>
+        </p:spPr>
+      </p:pic>
+    </p:spTree>
+    <p:extLst>
+      <p:ext uri="{BB962C8B-B14F-4D97-AF65-F5344CB8AC3E}">
+        <p14:creationId xmlns:p14="http://schemas.microsoft.com/office/powerpoint/2010/main" val="2361104481"/>
+      </p:ext>
+    </p:extLst>
+  </p:cSld>
+  <p:clrMapOvr>
+    <a:masterClrMapping/>
+  </p:clrMapOvr>
+</p:sld>
+</file>
+
+<file path=ppt/slides/slide11.xml><?xml version="1.0" encoding="utf-8"?>
 <p:sld xmlns:a="http://schemas.openxmlformats.org/drawingml/2006/main" xmlns:r="http://schemas.openxmlformats.org/officeDocument/2006/relationships" xmlns:p="http://schemas.openxmlformats.org/presentationml/2006/main">
   <p:cSld>
     <p:spTree>
@@ -6811,7 +6917,7 @@
 </p:sld>
 </file>
 
-<file path=ppt/slides/slide11.xml><?xml version="1.0" encoding="utf-8"?>
+<file path=ppt/slides/slide12.xml><?xml version="1.0" encoding="utf-8"?>
 <p:sld xmlns:a="http://schemas.openxmlformats.org/drawingml/2006/main" xmlns:r="http://schemas.openxmlformats.org/officeDocument/2006/relationships" xmlns:p="http://schemas.openxmlformats.org/presentationml/2006/main">
   <p:cSld>
     <p:spTree>

--- a/Slides_10.pptx
+++ b/Slides_10.pptx
@@ -7078,37 +7078,40 @@
             </a:r>
             <a:r>
               <a:rPr lang="fr-FR" dirty="0"/>
+              <a:t> not on GitHub**, download </a:t>
+            </a:r>
+            <a:r>
+              <a:rPr lang="fr-FR" dirty="0" err="1"/>
+              <a:t>it</a:t>
+            </a:r>
+            <a:r>
+              <a:rPr lang="fr-FR" dirty="0"/>
               <a:t> </a:t>
             </a:r>
             <a:r>
               <a:rPr lang="fr-FR" dirty="0" err="1"/>
-              <a:t>already</a:t>
+              <a:t>from</a:t>
             </a:r>
             <a:r>
               <a:rPr lang="fr-FR" dirty="0"/>
-              <a:t> on GitHub** in the right folders</a:t>
-            </a:r>
-          </a:p>
-          <a:p>
-            <a:pPr algn="just"/>
-            <a:endParaRPr lang="fr-FR" dirty="0"/>
+              <a:t> the drive:</a:t>
+            </a:r>
           </a:p>
           <a:p>
             <a:pPr marL="0" indent="0" algn="just">
               <a:buNone/>
             </a:pPr>
             <a:r>
-              <a:rPr lang="fr-FR" dirty="0"/>
-              <a:t>*</a:t>
-            </a:r>
-            <a:r>
-              <a:rPr lang="fr-FR" dirty="0" err="1"/>
-              <a:t>usual</a:t>
-            </a:r>
-            <a:r>
-              <a:rPr lang="fr-FR" dirty="0"/>
-              <a:t> GitHub</a:t>
-            </a:r>
+              <a:rPr lang="fr-FR" dirty="0">
+                <a:hlinkClick r:id="rId3"/>
+              </a:rPr>
+              <a:t>https://drive.google.com/drive/folders/1gO84LDFLB2w_FjLlzj2fjn2RTn95ocIV?usp=share_link</a:t>
+            </a:r>
+            <a:endParaRPr lang="fr-FR" dirty="0"/>
+          </a:p>
+          <a:p>
+            <a:pPr algn="just"/>
+            <a:endParaRPr lang="fr-FR" dirty="0"/>
           </a:p>
           <a:p>
             <a:pPr marL="0" indent="0" algn="just">
@@ -7116,7 +7119,24 @@
             </a:pPr>
             <a:r>
               <a:rPr lang="fr-FR" dirty="0"/>
-              <a:t>** </a:t>
+              <a:t>*</a:t>
+            </a:r>
+            <a:r>
+              <a:rPr lang="fr-FR" dirty="0" err="1"/>
+              <a:t>usual</a:t>
+            </a:r>
+            <a:r>
+              <a:rPr lang="fr-FR" dirty="0"/>
+              <a:t> GitHub</a:t>
+            </a:r>
+          </a:p>
+          <a:p>
+            <a:pPr marL="0" indent="0" algn="just">
+              <a:buNone/>
+            </a:pPr>
+            <a:r>
+              <a:rPr lang="fr-FR" dirty="0"/>
+              <a:t>**</a:t>
             </a:r>
             <a:r>
               <a:rPr lang="fr-FR" dirty="0" err="1"/>
@@ -7137,38 +7157,6 @@
             <a:r>
               <a:rPr lang="fr-FR" dirty="0" err="1"/>
               <a:t>bad</a:t>
-            </a:r>
-            <a:r>
-              <a:rPr lang="fr-FR" dirty="0"/>
-              <a:t> but </a:t>
-            </a:r>
-            <a:r>
-              <a:rPr lang="fr-FR" dirty="0" err="1"/>
-              <a:t>it’ll</a:t>
-            </a:r>
-            <a:r>
-              <a:rPr lang="fr-FR" dirty="0"/>
-              <a:t> </a:t>
-            </a:r>
-            <a:r>
-              <a:rPr lang="fr-FR" dirty="0" err="1"/>
-              <a:t>be</a:t>
-            </a:r>
-            <a:r>
-              <a:rPr lang="fr-FR" dirty="0"/>
-              <a:t> </a:t>
-            </a:r>
-            <a:r>
-              <a:rPr lang="fr-FR" dirty="0" err="1"/>
-              <a:t>easier</a:t>
-            </a:r>
-            <a:r>
-              <a:rPr lang="fr-FR" dirty="0"/>
-              <a:t> for </a:t>
-            </a:r>
-            <a:r>
-              <a:rPr lang="fr-FR" dirty="0" err="1"/>
-              <a:t>you</a:t>
             </a:r>
             <a:endParaRPr lang="fr-FR" dirty="0"/>
           </a:p>
